--- a/lectures/DJ-00-MOOC-Welcome.pptx
+++ b/lectures/DJ-00-MOOC-Welcome.pptx
@@ -108,6 +108,11 @@
       </a:defRPr>
     </a:lvl9pPr>
   </p:defaultTextStyle>
+  <p:extLst>
+    <p:ext uri="{EFAFB233-063F-42B5-8137-9DF3F51BA10A}">
+      <p15:sldGuideLst xmlns:p15="http://schemas.microsoft.com/office/powerpoint/2012/main"/>
+    </p:ext>
+  </p:extLst>
 </p:presentation>
 </file>
 
@@ -705,43 +710,61 @@
         </p:nvSpPr>
         <p:spPr/>
         <p:txBody>
-          <a:bodyPr/>
-          <a:lstStyle/>
+          <a:bodyPr>
+            <a:normAutofit/>
+          </a:bodyPr>
+          <a:lstStyle>
+            <a:lvl1pPr>
+              <a:defRPr sz="3600"/>
+            </a:lvl1pPr>
+            <a:lvl2pPr>
+              <a:defRPr sz="3200"/>
+            </a:lvl2pPr>
+            <a:lvl3pPr>
+              <a:defRPr sz="2800"/>
+            </a:lvl3pPr>
+            <a:lvl4pPr>
+              <a:defRPr sz="2400"/>
+            </a:lvl4pPr>
+            <a:lvl5pPr>
+              <a:defRPr sz="2400"/>
+            </a:lvl5pPr>
+          </a:lstStyle>
           <a:p>
             <a:pPr lvl="0"/>
             <a:r>
-              <a:rPr lang="en-US" smtClean="0"/>
+              <a:rPr lang="en-US" dirty="0" smtClean="0"/>
               <a:t>Click to edit Master text styles</a:t>
             </a:r>
           </a:p>
           <a:p>
             <a:pPr lvl="1"/>
             <a:r>
-              <a:rPr lang="en-US" smtClean="0"/>
+              <a:rPr lang="en-US" dirty="0" smtClean="0"/>
               <a:t>Second level</a:t>
             </a:r>
           </a:p>
           <a:p>
             <a:pPr lvl="2"/>
             <a:r>
-              <a:rPr lang="en-US" smtClean="0"/>
+              <a:rPr lang="en-US" dirty="0" smtClean="0"/>
               <a:t>Third level</a:t>
             </a:r>
           </a:p>
           <a:p>
             <a:pPr lvl="3"/>
             <a:r>
-              <a:rPr lang="en-US" smtClean="0"/>
+              <a:rPr lang="en-US" dirty="0" smtClean="0"/>
               <a:t>Fourth level</a:t>
             </a:r>
           </a:p>
           <a:p>
             <a:pPr lvl="4"/>
             <a:r>
-              <a:rPr lang="en-US" smtClean="0"/>
+              <a:rPr lang="en-US" dirty="0" smtClean="0"/>
               <a:t>Fifth level</a:t>
             </a:r>
-            <a:endParaRPr lang="en-US"/>
+            <a:endParaRPr lang="en-US" dirty="0"/>
           </a:p>
         </p:txBody>
       </p:sp>
@@ -3020,6 +3043,13 @@
   <p:clrMapOvr>
     <a:masterClrMapping/>
   </p:clrMapOvr>
+  <p:timing>
+    <p:tnLst>
+      <p:par>
+        <p:cTn id="1" dur="indefinite" restart="never" nodeType="tmRoot"/>
+      </p:par>
+    </p:tnLst>
+  </p:timing>
 </p:sld>
 </file>
 
@@ -3144,6 +3174,13 @@
   <p:clrMapOvr>
     <a:masterClrMapping/>
   </p:clrMapOvr>
+  <p:timing>
+    <p:tnLst>
+      <p:par>
+        <p:cTn id="1" dur="indefinite" restart="never" nodeType="tmRoot"/>
+      </p:par>
+    </p:tnLst>
+  </p:timing>
 </p:sld>
 </file>
 
@@ -3270,6 +3307,13 @@
   <p:clrMapOvr>
     <a:masterClrMapping/>
   </p:clrMapOvr>
+  <p:timing>
+    <p:tnLst>
+      <p:par>
+        <p:cTn id="1" dur="indefinite" restart="never" nodeType="tmRoot"/>
+      </p:par>
+    </p:tnLst>
+  </p:timing>
 </p:sld>
 </file>
 
@@ -3325,7 +3369,9 @@
         </p:nvSpPr>
         <p:spPr/>
         <p:txBody>
-          <a:bodyPr/>
+          <a:bodyPr>
+            <a:normAutofit fontScale="92500" lnSpcReduction="10000"/>
+          </a:bodyPr>
           <a:lstStyle/>
           <a:p>
             <a:r>
@@ -3414,6 +3460,13 @@
   <p:clrMapOvr>
     <a:masterClrMapping/>
   </p:clrMapOvr>
+  <p:timing>
+    <p:tnLst>
+      <p:par>
+        <p:cTn id="1" dur="indefinite" restart="never" nodeType="tmRoot"/>
+      </p:par>
+    </p:tnLst>
+  </p:timing>
 </p:sld>
 </file>
 
@@ -3497,16 +3550,20 @@
           </a:p>
           <a:p>
             <a:r>
-              <a:rPr lang="en-US" smtClean="0"/>
+              <a:rPr lang="en-US" dirty="0" smtClean="0"/>
               <a:t>JavaScript</a:t>
             </a:r>
             <a:r>
-              <a:rPr lang="en-US" dirty="0" smtClean="0"/>
+              <a:rPr lang="en-US" smtClean="0"/>
               <a:t>, </a:t>
             </a:r>
             <a:r>
-              <a:rPr lang="en-US" dirty="0" err="1" smtClean="0"/>
-              <a:t>Jquery</a:t>
+              <a:rPr lang="en-US"/>
+              <a:t>j</a:t>
+            </a:r>
+            <a:r>
+              <a:rPr lang="en-US" smtClean="0"/>
+              <a:t>Query</a:t>
             </a:r>
             <a:r>
               <a:rPr lang="en-US" dirty="0" smtClean="0"/>
@@ -3528,6 +3585,13 @@
   <p:clrMapOvr>
     <a:masterClrMapping/>
   </p:clrMapOvr>
+  <p:timing>
+    <p:tnLst>
+      <p:par>
+        <p:cTn id="1" dur="indefinite" restart="never" nodeType="tmRoot"/>
+      </p:par>
+    </p:tnLst>
+  </p:timing>
 </p:sld>
 </file>
 

--- a/lectures/DJ-00-MOOC-Welcome.pptx
+++ b/lectures/DJ-00-MOOC-Welcome.pptx
@@ -6,10 +6,11 @@
   </p:sldMasterIdLst>
   <p:sldIdLst>
     <p:sldId id="256" r:id="rId2"/>
-    <p:sldId id="257" r:id="rId3"/>
-    <p:sldId id="258" r:id="rId4"/>
-    <p:sldId id="259" r:id="rId5"/>
-    <p:sldId id="260" r:id="rId6"/>
+    <p:sldId id="261" r:id="rId3"/>
+    <p:sldId id="257" r:id="rId4"/>
+    <p:sldId id="258" r:id="rId5"/>
+    <p:sldId id="259" r:id="rId6"/>
+    <p:sldId id="260" r:id="rId7"/>
   </p:sldIdLst>
   <p:sldSz cx="12192000" cy="6858000"/>
   <p:notesSz cx="6858000" cy="9144000"/>
@@ -247,7 +248,7 @@
           <a:p>
             <a:fld id="{661631C4-E382-0A4A-A8B0-AA8A16516911}" type="datetimeFigureOut">
               <a:rPr lang="en-US" smtClean="0"/>
-              <a:t>4/28/20</a:t>
+              <a:t>5/5/20</a:t>
             </a:fld>
             <a:endParaRPr lang="en-US"/>
           </a:p>
@@ -417,7 +418,7 @@
           <a:p>
             <a:fld id="{661631C4-E382-0A4A-A8B0-AA8A16516911}" type="datetimeFigureOut">
               <a:rPr lang="en-US" smtClean="0"/>
-              <a:t>4/28/20</a:t>
+              <a:t>5/5/20</a:t>
             </a:fld>
             <a:endParaRPr lang="en-US"/>
           </a:p>
@@ -597,7 +598,7 @@
           <a:p>
             <a:fld id="{661631C4-E382-0A4A-A8B0-AA8A16516911}" type="datetimeFigureOut">
               <a:rPr lang="en-US" smtClean="0"/>
-              <a:t>4/28/20</a:t>
+              <a:t>5/5/20</a:t>
             </a:fld>
             <a:endParaRPr lang="en-US"/>
           </a:p>
@@ -785,7 +786,7 @@
           <a:p>
             <a:fld id="{661631C4-E382-0A4A-A8B0-AA8A16516911}" type="datetimeFigureOut">
               <a:rPr lang="en-US" smtClean="0"/>
-              <a:t>4/28/20</a:t>
+              <a:t>5/5/20</a:t>
             </a:fld>
             <a:endParaRPr lang="en-US"/>
           </a:p>
@@ -1031,7 +1032,7 @@
           <a:p>
             <a:fld id="{661631C4-E382-0A4A-A8B0-AA8A16516911}" type="datetimeFigureOut">
               <a:rPr lang="en-US" smtClean="0"/>
-              <a:t>4/28/20</a:t>
+              <a:t>5/5/20</a:t>
             </a:fld>
             <a:endParaRPr lang="en-US"/>
           </a:p>
@@ -1263,7 +1264,7 @@
           <a:p>
             <a:fld id="{661631C4-E382-0A4A-A8B0-AA8A16516911}" type="datetimeFigureOut">
               <a:rPr lang="en-US" smtClean="0"/>
-              <a:t>4/28/20</a:t>
+              <a:t>5/5/20</a:t>
             </a:fld>
             <a:endParaRPr lang="en-US"/>
           </a:p>
@@ -1630,7 +1631,7 @@
           <a:p>
             <a:fld id="{661631C4-E382-0A4A-A8B0-AA8A16516911}" type="datetimeFigureOut">
               <a:rPr lang="en-US" smtClean="0"/>
-              <a:t>4/28/20</a:t>
+              <a:t>5/5/20</a:t>
             </a:fld>
             <a:endParaRPr lang="en-US"/>
           </a:p>
@@ -1748,7 +1749,7 @@
           <a:p>
             <a:fld id="{661631C4-E382-0A4A-A8B0-AA8A16516911}" type="datetimeFigureOut">
               <a:rPr lang="en-US" smtClean="0"/>
-              <a:t>4/28/20</a:t>
+              <a:t>5/5/20</a:t>
             </a:fld>
             <a:endParaRPr lang="en-US"/>
           </a:p>
@@ -1843,7 +1844,7 @@
           <a:p>
             <a:fld id="{661631C4-E382-0A4A-A8B0-AA8A16516911}" type="datetimeFigureOut">
               <a:rPr lang="en-US" smtClean="0"/>
-              <a:t>4/28/20</a:t>
+              <a:t>5/5/20</a:t>
             </a:fld>
             <a:endParaRPr lang="en-US"/>
           </a:p>
@@ -2120,7 +2121,7 @@
           <a:p>
             <a:fld id="{661631C4-E382-0A4A-A8B0-AA8A16516911}" type="datetimeFigureOut">
               <a:rPr lang="en-US" smtClean="0"/>
-              <a:t>4/28/20</a:t>
+              <a:t>5/5/20</a:t>
             </a:fld>
             <a:endParaRPr lang="en-US"/>
           </a:p>
@@ -2373,7 +2374,7 @@
           <a:p>
             <a:fld id="{661631C4-E382-0A4A-A8B0-AA8A16516911}" type="datetimeFigureOut">
               <a:rPr lang="en-US" smtClean="0"/>
-              <a:t>4/28/20</a:t>
+              <a:t>5/5/20</a:t>
             </a:fld>
             <a:endParaRPr lang="en-US"/>
           </a:p>
@@ -2586,7 +2587,7 @@
           <a:p>
             <a:fld id="{661631C4-E382-0A4A-A8B0-AA8A16516911}" type="datetimeFigureOut">
               <a:rPr lang="en-US" smtClean="0"/>
-              <a:t>4/28/20</a:t>
+              <a:t>5/5/20</a:t>
             </a:fld>
             <a:endParaRPr lang="en-US"/>
           </a:p>
@@ -3086,8 +3087,8 @@
           <a:lstStyle/>
           <a:p>
             <a:r>
-              <a:rPr lang="en-US" dirty="0" smtClean="0"/>
-              <a:t>Course 1</a:t>
+              <a:rPr lang="en-US" smtClean="0"/>
+              <a:t>Welcome to DJ4E - Why Django? </a:t>
             </a:r>
             <a:endParaRPr lang="en-US" dirty="0"/>
           </a:p>
@@ -3110,13 +3111,7 @@
           <a:p>
             <a:r>
               <a:rPr lang="en-US" dirty="0" smtClean="0"/>
-              <a:t>Covering Foundational Knowledge</a:t>
-            </a:r>
-          </a:p>
-          <a:p>
-            <a:r>
-              <a:rPr lang="en-US" dirty="0" smtClean="0"/>
-              <a:t>Only pre-requisite: Python Skills </a:t>
+              <a:t>3 Years ago </a:t>
             </a:r>
             <a:r>
               <a:rPr lang="mr-IN" dirty="0" smtClean="0"/>
@@ -3124,13 +3119,13 @@
             </a:r>
             <a:r>
               <a:rPr lang="en-US" dirty="0" smtClean="0"/>
-              <a:t> like PY4E</a:t>
-            </a:r>
-          </a:p>
-          <a:p>
-            <a:r>
-              <a:rPr lang="en-US" dirty="0" smtClean="0"/>
-              <a:t>You may recognize if you took WA4E </a:t>
+              <a:t> PHP / SQL / JavaScript </a:t>
+            </a:r>
+          </a:p>
+          <a:p>
+            <a:r>
+              <a:rPr lang="en-US" dirty="0" smtClean="0"/>
+              <a:t>Told </a:t>
             </a:r>
             <a:r>
               <a:rPr lang="mr-IN" dirty="0" smtClean="0"/>
@@ -3138,13 +3133,13 @@
             </a:r>
             <a:r>
               <a:rPr lang="en-US" dirty="0" smtClean="0"/>
-              <a:t> makes it easier</a:t>
-            </a:r>
-          </a:p>
-          <a:p>
-            <a:r>
-              <a:rPr lang="en-US" dirty="0" smtClean="0"/>
-              <a:t>PythonAnywhere </a:t>
+              <a:t> switch to Python</a:t>
+            </a:r>
+          </a:p>
+          <a:p>
+            <a:r>
+              <a:rPr lang="en-US" dirty="0" smtClean="0"/>
+              <a:t>Study Flask Versus Django for a year </a:t>
             </a:r>
             <a:r>
               <a:rPr lang="mr-IN" dirty="0" smtClean="0"/>
@@ -3152,14 +3147,43 @@
             </a:r>
             <a:r>
               <a:rPr lang="en-US" dirty="0" smtClean="0"/>
-              <a:t> Love it</a:t>
-            </a:r>
-          </a:p>
-          <a:p>
-            <a:r>
-              <a:rPr lang="en-US" dirty="0" smtClean="0"/>
-              <a:t>Get Django installed and use it for HTML, CSS, and SQL</a:t>
-            </a:r>
+              <a:t> </a:t>
+            </a:r>
+            <a:r>
+              <a:rPr lang="en-US" dirty="0" err="1" smtClean="0"/>
+              <a:t>StackOverflow</a:t>
+            </a:r>
+            <a:endParaRPr lang="en-US" dirty="0" smtClean="0"/>
+          </a:p>
+          <a:p>
+            <a:r>
+              <a:rPr lang="en-US" dirty="0" smtClean="0"/>
+              <a:t>Django 2 years on campus </a:t>
+            </a:r>
+            <a:r>
+              <a:rPr lang="mr-IN" dirty="0" smtClean="0"/>
+              <a:t>–</a:t>
+            </a:r>
+            <a:r>
+              <a:rPr lang="en-US" dirty="0" smtClean="0"/>
+              <a:t> learned and improved</a:t>
+            </a:r>
+          </a:p>
+          <a:p>
+            <a:r>
+              <a:rPr lang="en-US" dirty="0" smtClean="0"/>
+              <a:t>2020 Python survey </a:t>
+            </a:r>
+            <a:r>
+              <a:rPr lang="mr-IN" dirty="0" smtClean="0"/>
+              <a:t>–</a:t>
+            </a:r>
+            <a:r>
+              <a:rPr lang="en-US" dirty="0" smtClean="0"/>
+              <a:t> More web then data - wow</a:t>
+            </a:r>
+          </a:p>
+          <a:p>
             <a:endParaRPr lang="en-US" dirty="0"/>
           </a:p>
         </p:txBody>
@@ -3167,7 +3191,7 @@
     </p:spTree>
     <p:extLst>
       <p:ext uri="{BB962C8B-B14F-4D97-AF65-F5344CB8AC3E}">
-        <p14:creationId xmlns:p14="http://schemas.microsoft.com/office/powerpoint/2010/main" val="1094199206"/>
+        <p14:creationId xmlns:p14="http://schemas.microsoft.com/office/powerpoint/2010/main" val="2057018460"/>
       </p:ext>
     </p:extLst>
   </p:cSld>
@@ -3218,7 +3242,7 @@
           <a:p>
             <a:r>
               <a:rPr lang="en-US" dirty="0" smtClean="0"/>
-              <a:t>Course 2</a:t>
+              <a:t>Course 1</a:t>
             </a:r>
             <a:endParaRPr lang="en-US" dirty="0"/>
           </a:p>
@@ -3241,19 +3265,13 @@
           <a:p>
             <a:r>
               <a:rPr lang="en-US" dirty="0" smtClean="0"/>
-              <a:t>Explore structure of MVC</a:t>
-            </a:r>
-          </a:p>
-          <a:p>
-            <a:r>
-              <a:rPr lang="en-US" dirty="0" smtClean="0"/>
-              <a:t>Explore structure of Django application</a:t>
-            </a:r>
-          </a:p>
-          <a:p>
-            <a:r>
-              <a:rPr lang="en-US" dirty="0" smtClean="0"/>
-              <a:t>"The picture" </a:t>
+              <a:t>Covering Foundational Knowledge</a:t>
+            </a:r>
+          </a:p>
+          <a:p>
+            <a:r>
+              <a:rPr lang="en-US" dirty="0" smtClean="0"/>
+              <a:t>Only pre-requisite: Python Skills </a:t>
             </a:r>
             <a:r>
               <a:rPr lang="mr-IN" dirty="0" smtClean="0"/>
@@ -3261,13 +3279,13 @@
             </a:r>
             <a:r>
               <a:rPr lang="en-US" dirty="0" smtClean="0"/>
-              <a:t> Need a comfort level</a:t>
-            </a:r>
-          </a:p>
-          <a:p>
-            <a:r>
-              <a:rPr lang="en-US" dirty="0" smtClean="0"/>
-              <a:t>Not just files and folders </a:t>
+              <a:t> like PY4E</a:t>
+            </a:r>
+          </a:p>
+          <a:p>
+            <a:r>
+              <a:rPr lang="en-US" dirty="0" smtClean="0"/>
+              <a:t>You may recognize if you took WA4E </a:t>
             </a:r>
             <a:r>
               <a:rPr lang="mr-IN" dirty="0" smtClean="0"/>
@@ -3275,23 +3293,27 @@
             </a:r>
             <a:r>
               <a:rPr lang="en-US" dirty="0" smtClean="0"/>
-              <a:t> understanding</a:t>
-            </a:r>
-          </a:p>
-          <a:p>
-            <a:r>
-              <a:rPr lang="en-US" dirty="0" smtClean="0"/>
-              <a:t>Tutorial from </a:t>
-            </a:r>
-            <a:r>
-              <a:rPr lang="en-US" dirty="0" smtClean="0">
-                <a:hlinkClick r:id="rId2"/>
-              </a:rPr>
-              <a:t>www.djangoproject.org</a:t>
-            </a:r>
-            <a:r>
-              <a:rPr lang="en-US" dirty="0" smtClean="0"/>
-              <a:t> (2-4)</a:t>
+              <a:t> makes it easier</a:t>
+            </a:r>
+          </a:p>
+          <a:p>
+            <a:r>
+              <a:rPr lang="en-US" dirty="0" smtClean="0"/>
+              <a:t>PythonAnywhere </a:t>
+            </a:r>
+            <a:r>
+              <a:rPr lang="mr-IN" dirty="0" smtClean="0"/>
+              <a:t>–</a:t>
+            </a:r>
+            <a:r>
+              <a:rPr lang="en-US" dirty="0" smtClean="0"/>
+              <a:t> Love it</a:t>
+            </a:r>
+          </a:p>
+          <a:p>
+            <a:r>
+              <a:rPr lang="en-US" dirty="0" smtClean="0"/>
+              <a:t>Get Django installed and use it for HTML, CSS, and SQL</a:t>
             </a:r>
             <a:endParaRPr lang="en-US" dirty="0"/>
           </a:p>
@@ -3300,7 +3322,7 @@
     </p:spTree>
     <p:extLst>
       <p:ext uri="{BB962C8B-B14F-4D97-AF65-F5344CB8AC3E}">
-        <p14:creationId xmlns:p14="http://schemas.microsoft.com/office/powerpoint/2010/main" val="77289802"/>
+        <p14:creationId xmlns:p14="http://schemas.microsoft.com/office/powerpoint/2010/main" val="1094199206"/>
       </p:ext>
     </p:extLst>
   </p:cSld>
@@ -3351,6 +3373,139 @@
           <a:p>
             <a:r>
               <a:rPr lang="en-US" dirty="0" smtClean="0"/>
+              <a:t>Course 2</a:t>
+            </a:r>
+            <a:endParaRPr lang="en-US" dirty="0"/>
+          </a:p>
+        </p:txBody>
+      </p:sp>
+      <p:sp>
+        <p:nvSpPr>
+          <p:cNvPr id="3" name="Content Placeholder 2"/>
+          <p:cNvSpPr>
+            <a:spLocks noGrp="1"/>
+          </p:cNvSpPr>
+          <p:nvPr>
+            <p:ph idx="1"/>
+          </p:nvPr>
+        </p:nvSpPr>
+        <p:spPr/>
+        <p:txBody>
+          <a:bodyPr/>
+          <a:lstStyle/>
+          <a:p>
+            <a:r>
+              <a:rPr lang="en-US" dirty="0" smtClean="0"/>
+              <a:t>Explore structure of MVC</a:t>
+            </a:r>
+          </a:p>
+          <a:p>
+            <a:r>
+              <a:rPr lang="en-US" dirty="0" smtClean="0"/>
+              <a:t>Explore structure of Django application</a:t>
+            </a:r>
+          </a:p>
+          <a:p>
+            <a:r>
+              <a:rPr lang="en-US" dirty="0" smtClean="0"/>
+              <a:t>"The picture" </a:t>
+            </a:r>
+            <a:r>
+              <a:rPr lang="mr-IN" dirty="0" smtClean="0"/>
+              <a:t>–</a:t>
+            </a:r>
+            <a:r>
+              <a:rPr lang="en-US" dirty="0" smtClean="0"/>
+              <a:t> Need a comfort level</a:t>
+            </a:r>
+          </a:p>
+          <a:p>
+            <a:r>
+              <a:rPr lang="en-US" dirty="0" smtClean="0"/>
+              <a:t>Not just files and folders </a:t>
+            </a:r>
+            <a:r>
+              <a:rPr lang="mr-IN" dirty="0" smtClean="0"/>
+              <a:t>–</a:t>
+            </a:r>
+            <a:r>
+              <a:rPr lang="en-US" dirty="0" smtClean="0"/>
+              <a:t> understanding</a:t>
+            </a:r>
+          </a:p>
+          <a:p>
+            <a:r>
+              <a:rPr lang="en-US" dirty="0" smtClean="0"/>
+              <a:t>Tutorial from </a:t>
+            </a:r>
+            <a:r>
+              <a:rPr lang="en-US" dirty="0" smtClean="0">
+                <a:hlinkClick r:id="rId2"/>
+              </a:rPr>
+              <a:t>www.djangoproject.org</a:t>
+            </a:r>
+            <a:r>
+              <a:rPr lang="en-US" dirty="0" smtClean="0"/>
+              <a:t> (2-4)</a:t>
+            </a:r>
+            <a:endParaRPr lang="en-US" dirty="0"/>
+          </a:p>
+        </p:txBody>
+      </p:sp>
+    </p:spTree>
+    <p:extLst>
+      <p:ext uri="{BB962C8B-B14F-4D97-AF65-F5344CB8AC3E}">
+        <p14:creationId xmlns:p14="http://schemas.microsoft.com/office/powerpoint/2010/main" val="77289802"/>
+      </p:ext>
+    </p:extLst>
+  </p:cSld>
+  <p:clrMapOvr>
+    <a:masterClrMapping/>
+  </p:clrMapOvr>
+  <p:timing>
+    <p:tnLst>
+      <p:par>
+        <p:cTn id="1" dur="indefinite" restart="never" nodeType="tmRoot"/>
+      </p:par>
+    </p:tnLst>
+  </p:timing>
+</p:sld>
+</file>
+
+<file path=ppt/slides/slide5.xml><?xml version="1.0" encoding="utf-8"?>
+<p:sld xmlns:a="http://schemas.openxmlformats.org/drawingml/2006/main" xmlns:r="http://schemas.openxmlformats.org/officeDocument/2006/relationships" xmlns:p="http://schemas.openxmlformats.org/presentationml/2006/main">
+  <p:cSld>
+    <p:spTree>
+      <p:nvGrpSpPr>
+        <p:cNvPr id="1" name=""/>
+        <p:cNvGrpSpPr/>
+        <p:nvPr/>
+      </p:nvGrpSpPr>
+      <p:grpSpPr>
+        <a:xfrm>
+          <a:off x="0" y="0"/>
+          <a:ext cx="0" cy="0"/>
+          <a:chOff x="0" y="0"/>
+          <a:chExt cx="0" cy="0"/>
+        </a:xfrm>
+      </p:grpSpPr>
+      <p:sp>
+        <p:nvSpPr>
+          <p:cNvPr id="2" name="Title 1"/>
+          <p:cNvSpPr>
+            <a:spLocks noGrp="1"/>
+          </p:cNvSpPr>
+          <p:nvPr>
+            <p:ph type="title"/>
+          </p:nvPr>
+        </p:nvSpPr>
+        <p:spPr/>
+        <p:txBody>
+          <a:bodyPr/>
+          <a:lstStyle/>
+          <a:p>
+            <a:r>
+              <a:rPr lang="en-US" dirty="0" smtClean="0"/>
               <a:t>Course 3</a:t>
             </a:r>
             <a:endParaRPr lang="en-US" dirty="0"/>
@@ -3470,7 +3625,7 @@
 </p:sld>
 </file>
 
-<file path=ppt/slides/slide5.xml><?xml version="1.0" encoding="utf-8"?>
+<file path=ppt/slides/slide6.xml><?xml version="1.0" encoding="utf-8"?>
 <p:sld xmlns:a="http://schemas.openxmlformats.org/drawingml/2006/main" xmlns:r="http://schemas.openxmlformats.org/officeDocument/2006/relationships" xmlns:p="http://schemas.openxmlformats.org/presentationml/2006/main">
   <p:cSld>
     <p:spTree>
